--- a/weeks_11/190528_김원중_final.pptx
+++ b/weeks_11/190528_김원중_final.pptx
@@ -248,7 +248,7 @@
               <a:pPr lvl="0">
                 <a:defRPr lang="ko-KR" altLang="en-US"/>
               </a:pPr>
-              <a:t>2019-05-29</a:t>
+              <a:t>2019-06-05</a:t>
             </a:fld>
             <a:endParaRPr lang="ko-KR" altLang="en-US"/>
           </a:p>
@@ -4207,7 +4207,7 @@
               <a:pPr lvl="0">
                 <a:defRPr lang="ko-KR" altLang="en-US"/>
               </a:pPr>
-              <a:t>2019-05-29</a:t>
+              <a:t>2019-06-05</a:t>
             </a:fld>
             <a:endParaRPr lang="ko-KR" altLang="en-US"/>
           </a:p>
@@ -4399,7 +4399,7 @@
               <a:pPr lvl="0">
                 <a:defRPr lang="ko-KR" altLang="en-US"/>
               </a:pPr>
-              <a:t>2019-05-29</a:t>
+              <a:t>2019-06-05</a:t>
             </a:fld>
             <a:endParaRPr lang="ko-KR" altLang="en-US"/>
           </a:p>
@@ -4601,7 +4601,7 @@
               <a:pPr lvl="0">
                 <a:defRPr lang="ko-KR" altLang="en-US"/>
               </a:pPr>
-              <a:t>2019-05-29</a:t>
+              <a:t>2019-06-05</a:t>
             </a:fld>
             <a:endParaRPr lang="ko-KR" altLang="en-US"/>
           </a:p>
@@ -4793,7 +4793,7 @@
               <a:pPr lvl="0">
                 <a:defRPr lang="ko-KR" altLang="en-US"/>
               </a:pPr>
-              <a:t>2019-05-29</a:t>
+              <a:t>2019-06-05</a:t>
             </a:fld>
             <a:endParaRPr lang="ko-KR" altLang="en-US"/>
           </a:p>
@@ -5054,7 +5054,7 @@
               <a:pPr lvl="0">
                 <a:defRPr lang="ko-KR" altLang="en-US"/>
               </a:pPr>
-              <a:t>2019-05-29</a:t>
+              <a:t>2019-06-05</a:t>
             </a:fld>
             <a:endParaRPr lang="ko-KR" altLang="en-US"/>
           </a:p>
@@ -5373,7 +5373,7 @@
               <a:pPr lvl="0">
                 <a:defRPr lang="ko-KR" altLang="en-US"/>
               </a:pPr>
-              <a:t>2019-05-29</a:t>
+              <a:t>2019-06-05</a:t>
             </a:fld>
             <a:endParaRPr lang="ko-KR" altLang="en-US"/>
           </a:p>
@@ -5830,7 +5830,7 @@
               <a:pPr lvl="0">
                 <a:defRPr lang="ko-KR" altLang="en-US"/>
               </a:pPr>
-              <a:t>2019-05-29</a:t>
+              <a:t>2019-06-05</a:t>
             </a:fld>
             <a:endParaRPr lang="ko-KR" altLang="en-US"/>
           </a:p>
@@ -5961,7 +5961,7 @@
               <a:pPr lvl="0">
                 <a:defRPr lang="ko-KR" altLang="en-US"/>
               </a:pPr>
-              <a:t>2019-05-29</a:t>
+              <a:t>2019-06-05</a:t>
             </a:fld>
             <a:endParaRPr lang="ko-KR" altLang="en-US"/>
           </a:p>
@@ -6067,7 +6067,7 @@
               <a:pPr lvl="0">
                 <a:defRPr lang="ko-KR" altLang="en-US"/>
               </a:pPr>
-              <a:t>2019-05-29</a:t>
+              <a:t>2019-06-05</a:t>
             </a:fld>
             <a:endParaRPr lang="ko-KR" altLang="en-US"/>
           </a:p>
@@ -6368,7 +6368,7 @@
               <a:pPr lvl="0">
                 <a:defRPr lang="ko-KR" altLang="en-US"/>
               </a:pPr>
-              <a:t>2019-05-29</a:t>
+              <a:t>2019-06-05</a:t>
             </a:fld>
             <a:endParaRPr lang="ko-KR" altLang="en-US"/>
           </a:p>
@@ -6639,7 +6639,7 @@
               <a:pPr lvl="0">
                 <a:defRPr lang="ko-KR" altLang="en-US"/>
               </a:pPr>
-              <a:t>2019-05-29</a:t>
+              <a:t>2019-06-05</a:t>
             </a:fld>
             <a:endParaRPr lang="ko-KR" altLang="en-US"/>
           </a:p>
@@ -6877,7 +6877,7 @@
               <a:pPr lvl="0">
                 <a:defRPr lang="ko-KR" altLang="en-US"/>
               </a:pPr>
-              <a:t>2019-05-29</a:t>
+              <a:t>2019-06-05</a:t>
             </a:fld>
             <a:endParaRPr lang="ko-KR" altLang="en-US"/>
           </a:p>
@@ -9184,7 +9184,7 @@
     <mc:Choice Requires="p14">
       <p:transition/>
     </mc:Choice>
-    <mc:Fallback xmlns:dsp="http://schemas.microsoft.com/office/drawing/2008/diagram" xmlns:dgm="http://schemas.openxmlformats.org/drawingml/2006/diagram" xmlns:c="http://schemas.openxmlformats.org/drawingml/2006/chart" xmlns="">
+    <mc:Fallback xmlns="" xmlns:c="http://schemas.openxmlformats.org/drawingml/2006/chart" xmlns:dgm="http://schemas.openxmlformats.org/drawingml/2006/diagram" xmlns:dsp="http://schemas.microsoft.com/office/drawing/2008/diagram">
       <p:transition/>
     </mc:Fallback>
   </mc:AlternateContent>
@@ -9903,7 +9903,7 @@
     <mc:Choice Requires="p14">
       <p:transition/>
     </mc:Choice>
-    <mc:Fallback xmlns:dsp="http://schemas.microsoft.com/office/drawing/2008/diagram" xmlns:dgm="http://schemas.openxmlformats.org/drawingml/2006/diagram" xmlns:c="http://schemas.openxmlformats.org/drawingml/2006/chart" xmlns="">
+    <mc:Fallback xmlns="" xmlns:c="http://schemas.openxmlformats.org/drawingml/2006/chart" xmlns:dgm="http://schemas.openxmlformats.org/drawingml/2006/diagram" xmlns:dsp="http://schemas.microsoft.com/office/drawing/2008/diagram">
       <p:transition/>
     </mc:Fallback>
   </mc:AlternateContent>
